--- a/results/notebook_figs/MollyGeoffData_Panel.pptx
+++ b/results/notebook_figs/MollyGeoffData_Panel.pptx
@@ -104,6 +104,11 @@
       </a:defRPr>
     </a:lvl9pPr>
   </p:defaultTextStyle>
+  <p:extLst>
+    <p:ext uri="{EFAFB233-063F-42B5-8137-9DF3F51BA10A}">
+      <p15:sldGuideLst xmlns:p15="http://schemas.microsoft.com/office/powerpoint/2012/main"/>
+    </p:ext>
+  </p:extLst>
 </p:presentation>
 </file>
 
@@ -238,7 +243,7 @@
           <a:p>
             <a:fld id="{2CE51F83-7E1A-9F46-B487-319F7AB95B56}" type="datetimeFigureOut">
               <a:rPr lang="en-US" smtClean="0"/>
-              <a:t>5/22/20</a:t>
+              <a:t>5/28/20</a:t>
             </a:fld>
             <a:endParaRPr lang="en-US"/>
           </a:p>
@@ -408,7 +413,7 @@
           <a:p>
             <a:fld id="{2CE51F83-7E1A-9F46-B487-319F7AB95B56}" type="datetimeFigureOut">
               <a:rPr lang="en-US" smtClean="0"/>
-              <a:t>5/22/20</a:t>
+              <a:t>5/28/20</a:t>
             </a:fld>
             <a:endParaRPr lang="en-US"/>
           </a:p>
@@ -588,7 +593,7 @@
           <a:p>
             <a:fld id="{2CE51F83-7E1A-9F46-B487-319F7AB95B56}" type="datetimeFigureOut">
               <a:rPr lang="en-US" smtClean="0"/>
-              <a:t>5/22/20</a:t>
+              <a:t>5/28/20</a:t>
             </a:fld>
             <a:endParaRPr lang="en-US"/>
           </a:p>
@@ -758,7 +763,7 @@
           <a:p>
             <a:fld id="{2CE51F83-7E1A-9F46-B487-319F7AB95B56}" type="datetimeFigureOut">
               <a:rPr lang="en-US" smtClean="0"/>
-              <a:t>5/22/20</a:t>
+              <a:t>5/28/20</a:t>
             </a:fld>
             <a:endParaRPr lang="en-US"/>
           </a:p>
@@ -1002,7 +1007,7 @@
           <a:p>
             <a:fld id="{2CE51F83-7E1A-9F46-B487-319F7AB95B56}" type="datetimeFigureOut">
               <a:rPr lang="en-US" smtClean="0"/>
-              <a:t>5/22/20</a:t>
+              <a:t>5/28/20</a:t>
             </a:fld>
             <a:endParaRPr lang="en-US"/>
           </a:p>
@@ -1234,7 +1239,7 @@
           <a:p>
             <a:fld id="{2CE51F83-7E1A-9F46-B487-319F7AB95B56}" type="datetimeFigureOut">
               <a:rPr lang="en-US" smtClean="0"/>
-              <a:t>5/22/20</a:t>
+              <a:t>5/28/20</a:t>
             </a:fld>
             <a:endParaRPr lang="en-US"/>
           </a:p>
@@ -1601,7 +1606,7 @@
           <a:p>
             <a:fld id="{2CE51F83-7E1A-9F46-B487-319F7AB95B56}" type="datetimeFigureOut">
               <a:rPr lang="en-US" smtClean="0"/>
-              <a:t>5/22/20</a:t>
+              <a:t>5/28/20</a:t>
             </a:fld>
             <a:endParaRPr lang="en-US"/>
           </a:p>
@@ -1719,7 +1724,7 @@
           <a:p>
             <a:fld id="{2CE51F83-7E1A-9F46-B487-319F7AB95B56}" type="datetimeFigureOut">
               <a:rPr lang="en-US" smtClean="0"/>
-              <a:t>5/22/20</a:t>
+              <a:t>5/28/20</a:t>
             </a:fld>
             <a:endParaRPr lang="en-US"/>
           </a:p>
@@ -1814,7 +1819,7 @@
           <a:p>
             <a:fld id="{2CE51F83-7E1A-9F46-B487-319F7AB95B56}" type="datetimeFigureOut">
               <a:rPr lang="en-US" smtClean="0"/>
-              <a:t>5/22/20</a:t>
+              <a:t>5/28/20</a:t>
             </a:fld>
             <a:endParaRPr lang="en-US"/>
           </a:p>
@@ -2091,7 +2096,7 @@
           <a:p>
             <a:fld id="{2CE51F83-7E1A-9F46-B487-319F7AB95B56}" type="datetimeFigureOut">
               <a:rPr lang="en-US" smtClean="0"/>
-              <a:t>5/22/20</a:t>
+              <a:t>5/28/20</a:t>
             </a:fld>
             <a:endParaRPr lang="en-US"/>
           </a:p>
@@ -2348,7 +2353,7 @@
           <a:p>
             <a:fld id="{2CE51F83-7E1A-9F46-B487-319F7AB95B56}" type="datetimeFigureOut">
               <a:rPr lang="en-US" smtClean="0"/>
-              <a:t>5/22/20</a:t>
+              <a:t>5/28/20</a:t>
             </a:fld>
             <a:endParaRPr lang="en-US"/>
           </a:p>
@@ -2561,7 +2566,7 @@
           <a:p>
             <a:fld id="{2CE51F83-7E1A-9F46-B487-319F7AB95B56}" type="datetimeFigureOut">
               <a:rPr lang="en-US" smtClean="0"/>
-              <a:t>5/22/20</a:t>
+              <a:t>5/28/20</a:t>
             </a:fld>
             <a:endParaRPr lang="en-US"/>
           </a:p>
@@ -2968,10 +2973,10 @@
       </p:grpSpPr>
       <p:pic>
         <p:nvPicPr>
-          <p:cNvPr id="9" name="Picture 8" descr="A close up of a map&#10;&#10;Description automatically generated">
+          <p:cNvPr id="3" name="Picture 2" descr="A screenshot of a cell phone&#10;&#10;Description automatically generated">
             <a:extLst>
               <a:ext uri="{FF2B5EF4-FFF2-40B4-BE49-F238E27FC236}">
-                <a16:creationId xmlns:a16="http://schemas.microsoft.com/office/drawing/2014/main" id="{5E5EBB36-5914-5543-B88F-7186E45D6D65}"/>
+                <a16:creationId xmlns:a16="http://schemas.microsoft.com/office/drawing/2014/main" id="{BDE0116C-48BE-474F-B978-1F2BC8886790}"/>
               </a:ext>
             </a:extLst>
           </p:cNvPr>
@@ -2988,8 +2993,8 @@
         </p:blipFill>
         <p:spPr>
           <a:xfrm>
-            <a:off x="-1" y="2592332"/>
-            <a:ext cx="6622356" cy="3383280"/>
+            <a:off x="0" y="4381500"/>
+            <a:ext cx="6858000" cy="3429000"/>
           </a:xfrm>
           <a:prstGeom prst="rect">
             <a:avLst/>
@@ -2998,10 +3003,10 @@
       </p:pic>
       <p:pic>
         <p:nvPicPr>
-          <p:cNvPr id="11" name="Picture 10" descr="A screenshot of a cell phone&#10;&#10;Description automatically generated">
+          <p:cNvPr id="5" name="Picture 4" descr="A screenshot of a social media post&#10;&#10;Description automatically generated">
             <a:extLst>
               <a:ext uri="{FF2B5EF4-FFF2-40B4-BE49-F238E27FC236}">
-                <a16:creationId xmlns:a16="http://schemas.microsoft.com/office/drawing/2014/main" id="{C3E28BE3-A062-0B4A-87F2-95CCC8CB65A1}"/>
+                <a16:creationId xmlns:a16="http://schemas.microsoft.com/office/drawing/2014/main" id="{EF40EBDC-A572-3046-A177-6C72F4FA6D4B}"/>
               </a:ext>
             </a:extLst>
           </p:cNvPr>
@@ -3018,8 +3023,8 @@
         </p:blipFill>
         <p:spPr>
           <a:xfrm>
-            <a:off x="0" y="6096000"/>
-            <a:ext cx="6858000" cy="3245304"/>
+            <a:off x="0" y="1220690"/>
+            <a:ext cx="6301386" cy="2904270"/>
           </a:xfrm>
           <a:prstGeom prst="rect">
             <a:avLst/>
